--- a/project/info_inside-pasler-posdbos.pptx
+++ b/project/info_inside-pasler-posdbos.pptx
@@ -1470,7 +1470,7 @@
                 <a:spcPct val="100000"/>
               </a:lnSpc>
             </a:pPr>
-            <a:fld id="{18F845CF-5F0B-442A-98D5-83891CBBD4AC}" type="slidenum">
+            <a:fld id="{3CBB760C-1CB0-4846-A933-762B6599447C}" type="slidenum">
               <a:rPr lang="de-DE" sz="469" strike="noStrike">
                 <a:solidFill>
                   <a:srgbClr val="000000"/>
